--- a/doc/REDIELUZ Poster.pptx
+++ b/doc/REDIELUZ Poster.pptx
@@ -288,7 +288,7 @@
           <a:p>
             <a:fld id="{A903ED25-6A7E-4F00-B00C-6D6C6963EB06}" type="datetimeFigureOut">
               <a:rPr lang="en-US" smtClean="0"/>
-              <a:t>5/26/2016</a:t>
+              <a:t>7/2/2016</a:t>
             </a:fld>
             <a:endParaRPr lang="en-US" dirty="0"/>
           </a:p>
@@ -458,7 +458,7 @@
           <a:p>
             <a:fld id="{A903ED25-6A7E-4F00-B00C-6D6C6963EB06}" type="datetimeFigureOut">
               <a:rPr lang="en-US" smtClean="0"/>
-              <a:t>5/26/2016</a:t>
+              <a:t>7/2/2016</a:t>
             </a:fld>
             <a:endParaRPr lang="en-US" dirty="0"/>
           </a:p>
@@ -638,7 +638,7 @@
           <a:p>
             <a:fld id="{A903ED25-6A7E-4F00-B00C-6D6C6963EB06}" type="datetimeFigureOut">
               <a:rPr lang="en-US" smtClean="0"/>
-              <a:t>5/26/2016</a:t>
+              <a:t>7/2/2016</a:t>
             </a:fld>
             <a:endParaRPr lang="en-US" dirty="0"/>
           </a:p>
@@ -808,7 +808,7 @@
           <a:p>
             <a:fld id="{A903ED25-6A7E-4F00-B00C-6D6C6963EB06}" type="datetimeFigureOut">
               <a:rPr lang="en-US" smtClean="0"/>
-              <a:t>5/26/2016</a:t>
+              <a:t>7/2/2016</a:t>
             </a:fld>
             <a:endParaRPr lang="en-US" dirty="0"/>
           </a:p>
@@ -1054,7 +1054,7 @@
           <a:p>
             <a:fld id="{A903ED25-6A7E-4F00-B00C-6D6C6963EB06}" type="datetimeFigureOut">
               <a:rPr lang="en-US" smtClean="0"/>
-              <a:t>5/26/2016</a:t>
+              <a:t>7/2/2016</a:t>
             </a:fld>
             <a:endParaRPr lang="en-US" dirty="0"/>
           </a:p>
@@ -1342,7 +1342,7 @@
           <a:p>
             <a:fld id="{A903ED25-6A7E-4F00-B00C-6D6C6963EB06}" type="datetimeFigureOut">
               <a:rPr lang="en-US" smtClean="0"/>
-              <a:t>5/26/2016</a:t>
+              <a:t>7/2/2016</a:t>
             </a:fld>
             <a:endParaRPr lang="en-US" dirty="0"/>
           </a:p>
@@ -1764,7 +1764,7 @@
           <a:p>
             <a:fld id="{A903ED25-6A7E-4F00-B00C-6D6C6963EB06}" type="datetimeFigureOut">
               <a:rPr lang="en-US" smtClean="0"/>
-              <a:t>5/26/2016</a:t>
+              <a:t>7/2/2016</a:t>
             </a:fld>
             <a:endParaRPr lang="en-US" dirty="0"/>
           </a:p>
@@ -1882,7 +1882,7 @@
           <a:p>
             <a:fld id="{A903ED25-6A7E-4F00-B00C-6D6C6963EB06}" type="datetimeFigureOut">
               <a:rPr lang="en-US" smtClean="0"/>
-              <a:t>5/26/2016</a:t>
+              <a:t>7/2/2016</a:t>
             </a:fld>
             <a:endParaRPr lang="en-US" dirty="0"/>
           </a:p>
@@ -1977,7 +1977,7 @@
           <a:p>
             <a:fld id="{A903ED25-6A7E-4F00-B00C-6D6C6963EB06}" type="datetimeFigureOut">
               <a:rPr lang="en-US" smtClean="0"/>
-              <a:t>5/26/2016</a:t>
+              <a:t>7/2/2016</a:t>
             </a:fld>
             <a:endParaRPr lang="en-US" dirty="0"/>
           </a:p>
@@ -2254,7 +2254,7 @@
           <a:p>
             <a:fld id="{A903ED25-6A7E-4F00-B00C-6D6C6963EB06}" type="datetimeFigureOut">
               <a:rPr lang="en-US" smtClean="0"/>
-              <a:t>5/26/2016</a:t>
+              <a:t>7/2/2016</a:t>
             </a:fld>
             <a:endParaRPr lang="en-US" dirty="0"/>
           </a:p>
@@ -2507,7 +2507,7 @@
           <a:p>
             <a:fld id="{A903ED25-6A7E-4F00-B00C-6D6C6963EB06}" type="datetimeFigureOut">
               <a:rPr lang="en-US" smtClean="0"/>
-              <a:t>5/26/2016</a:t>
+              <a:t>7/2/2016</a:t>
             </a:fld>
             <a:endParaRPr lang="en-US" dirty="0"/>
           </a:p>
@@ -2720,7 +2720,7 @@
           <a:p>
             <a:fld id="{A903ED25-6A7E-4F00-B00C-6D6C6963EB06}" type="datetimeFigureOut">
               <a:rPr lang="en-US" smtClean="0"/>
-              <a:t>5/26/2016</a:t>
+              <a:t>7/2/2016</a:t>
             </a:fld>
             <a:endParaRPr lang="en-US" dirty="0"/>
           </a:p>
@@ -3330,7 +3330,28 @@
                 <a:latin typeface="Arial" pitchFamily="34" charset="0"/>
                 <a:cs typeface="Arial" pitchFamily="34" charset="0"/>
               </a:rPr>
-              <a:t>, Gerardo Pirela M.</a:t>
+              <a:t>, Gerardo </a:t>
+            </a:r>
+            <a:r>
+              <a:rPr lang="en-US" sz="8000" dirty="0" err="1" smtClean="0">
+                <a:latin typeface="Arial" pitchFamily="34" charset="0"/>
+                <a:cs typeface="Arial" pitchFamily="34" charset="0"/>
+              </a:rPr>
+              <a:t>Pirela</a:t>
+            </a:r>
+            <a:r>
+              <a:rPr lang="en-US" sz="8000" dirty="0" smtClean="0">
+                <a:latin typeface="Arial" pitchFamily="34" charset="0"/>
+                <a:cs typeface="Arial" pitchFamily="34" charset="0"/>
+              </a:rPr>
+              <a:t> </a:t>
+            </a:r>
+            <a:r>
+              <a:rPr lang="en-US" sz="8000" dirty="0" err="1" smtClean="0">
+                <a:latin typeface="Arial" pitchFamily="34" charset="0"/>
+                <a:cs typeface="Arial" pitchFamily="34" charset="0"/>
+              </a:rPr>
+              <a:t>Morillo</a:t>
             </a:r>
             <a:endParaRPr lang="en-US" sz="8000" dirty="0">
               <a:latin typeface="Arial" pitchFamily="34" charset="0"/>
@@ -3407,12 +3428,16 @@
           <a:p>
             <a:pPr algn="ctr"/>
             <a:r>
-              <a:rPr lang="en-US" b="1" dirty="0" smtClean="0">
+              <a:rPr lang="en-US" b="1" smtClean="0">
                 <a:latin typeface="Arial" pitchFamily="34" charset="0"/>
                 <a:cs typeface="Arial" pitchFamily="34" charset="0"/>
               </a:rPr>
               <a:t>RESUMEN</a:t>
             </a:r>
+            <a:endParaRPr lang="en-US" b="1" dirty="0" smtClean="0">
+              <a:latin typeface="Arial" pitchFamily="34" charset="0"/>
+              <a:cs typeface="Arial" pitchFamily="34" charset="0"/>
+            </a:endParaRPr>
           </a:p>
           <a:p>
             <a:pPr algn="ctr"/>
@@ -3456,7 +3481,7 @@
         <p:spPr>
           <a:xfrm>
             <a:off x="466418" y="15193988"/>
-            <a:ext cx="15191988" cy="18974425"/>
+            <a:ext cx="15191988" cy="20282475"/>
           </a:xfrm>
           <a:prstGeom prst="rect">
             <a:avLst/>
@@ -3475,51 +3500,6 @@
                 <a:latin typeface="+mj-lt"/>
               </a:rPr>
               <a:t>Introducción</a:t>
-            </a:r>
-          </a:p>
-          <a:p>
-            <a:pPr marL="1143000" indent="-1143000" algn="just">
-              <a:buFont typeface="Arial" pitchFamily="34" charset="0"/>
-              <a:buChar char="•"/>
-            </a:pPr>
-            <a:endParaRPr lang="en-US" sz="3600" dirty="0" smtClean="0">
-              <a:solidFill>
-                <a:schemeClr val="bg1"/>
-              </a:solidFill>
-              <a:cs typeface="Arial" pitchFamily="34" charset="0"/>
-            </a:endParaRPr>
-          </a:p>
-          <a:p>
-            <a:pPr marL="571500" indent="-571500" algn="just">
-              <a:buFont typeface="Arial" pitchFamily="34" charset="0"/>
-              <a:buChar char="•"/>
-            </a:pPr>
-            <a:r>
-              <a:rPr lang="es-VE" sz="3600" dirty="0" smtClean="0">
-                <a:solidFill>
-                  <a:schemeClr val="bg1"/>
-                </a:solidFill>
-                <a:cs typeface="Arial" pitchFamily="34" charset="0"/>
-              </a:rPr>
-              <a:t>Las </a:t>
-            </a:r>
-            <a:r>
-              <a:rPr lang="es-VE" sz="3600" dirty="0">
-                <a:solidFill>
-                  <a:schemeClr val="bg1"/>
-                </a:solidFill>
-                <a:cs typeface="Arial" pitchFamily="34" charset="0"/>
-              </a:rPr>
-              <a:t>redes pueden modelar muchos tipos de relaciones y procesos en distintos campos del conocimiento, tales como biología, economía, epidemiología, sociología, entre otros. Según Barabási (2002), la construcción y estructura de las redes es la clave para entender el complejo mundo a nuestro alrededor</a:t>
-            </a:r>
-            <a:r>
-              <a:rPr lang="es-VE" sz="3600" dirty="0" smtClean="0">
-                <a:solidFill>
-                  <a:schemeClr val="bg1"/>
-                </a:solidFill>
-                <a:cs typeface="Arial" pitchFamily="34" charset="0"/>
-              </a:rPr>
-              <a:t>.</a:t>
             </a:r>
           </a:p>
           <a:p>
@@ -3552,12 +3532,6 @@
               </a:rPr>
               <a:t>.</a:t>
             </a:r>
-            <a:endParaRPr lang="es-VE" sz="3600" dirty="0" smtClean="0">
-              <a:solidFill>
-                <a:schemeClr val="bg1"/>
-              </a:solidFill>
-              <a:cs typeface="Arial" pitchFamily="34" charset="0"/>
-            </a:endParaRPr>
           </a:p>
           <a:p>
             <a:pPr algn="just"/>
@@ -3574,23 +3548,114 @@
               <a:buChar char="•"/>
             </a:pPr>
             <a:r>
+              <a:rPr lang="es-VE" sz="3600" dirty="0">
+                <a:solidFill>
+                  <a:schemeClr val="bg1"/>
+                </a:solidFill>
+              </a:rPr>
+              <a:t>Con una representación optimizada de grafos en memoria se podrían almacenar grafos muy grandes en muy poco espacio; los grafos representados de esta forma se denominan grafos compactos</a:t>
+            </a:r>
+            <a:r>
               <a:rPr lang="es-VE" sz="3600" dirty="0" smtClean="0">
                 <a:solidFill>
                   <a:schemeClr val="bg1"/>
                 </a:solidFill>
-                <a:cs typeface="Arial" pitchFamily="34" charset="0"/>
-              </a:rPr>
-              <a:t>Las </a:t>
+              </a:rPr>
+              <a:t>. Este trabajo está basado en el diseño de esa representación, así como de un lenguaje de programación que dé soporte en su sistema de tipos y en su librería estándar  a grafos compactos.</a:t>
+            </a:r>
+            <a:endParaRPr lang="es-VE" sz="3600" dirty="0">
+              <a:solidFill>
+                <a:schemeClr val="bg1"/>
+              </a:solidFill>
+              <a:cs typeface="Arial" pitchFamily="34" charset="0"/>
+            </a:endParaRPr>
+          </a:p>
+          <a:p>
+            <a:pPr algn="ctr"/>
+            <a:r>
+              <a:rPr lang="es-VE" dirty="0" smtClean="0">
+                <a:latin typeface="+mj-lt"/>
+              </a:rPr>
+              <a:t>Objetivos</a:t>
+            </a:r>
+            <a:endParaRPr lang="es-VE" dirty="0" smtClean="0">
+              <a:solidFill>
+                <a:schemeClr val="bg1"/>
+              </a:solidFill>
+              <a:latin typeface="+mj-lt"/>
+              <a:cs typeface="Arial" pitchFamily="34" charset="0"/>
+            </a:endParaRPr>
+          </a:p>
+          <a:p>
+            <a:pPr marL="571500" lvl="0" indent="-571500" algn="just">
+              <a:buFont typeface="Arial" pitchFamily="34" charset="0"/>
+              <a:buChar char="•"/>
+            </a:pPr>
+            <a:endParaRPr lang="es-VE" sz="3600" dirty="0" smtClean="0">
+              <a:solidFill>
+                <a:schemeClr val="bg1"/>
+              </a:solidFill>
+            </a:endParaRPr>
+          </a:p>
+          <a:p>
+            <a:pPr marL="571500" lvl="0" indent="-571500" algn="just">
+              <a:buFont typeface="Arial" pitchFamily="34" charset="0"/>
+              <a:buChar char="•"/>
+            </a:pPr>
+            <a:r>
+              <a:rPr lang="es-VE" sz="3600" dirty="0" smtClean="0">
+                <a:solidFill>
+                  <a:schemeClr val="bg1"/>
+                </a:solidFill>
+              </a:rPr>
+              <a:t>Realizar </a:t>
             </a:r>
             <a:r>
               <a:rPr lang="es-VE" sz="3600" dirty="0">
                 <a:solidFill>
                   <a:schemeClr val="bg1"/>
                 </a:solidFill>
-                <a:cs typeface="Arial" pitchFamily="34" charset="0"/>
-              </a:rPr>
-              <a:t>redes estudiadas por los distintos campos del conocimiento son, por lo general, muy extensas (por ejemplo: la Internet, redes neuronales humanas, redes y tramas tróficas, redes de transmisión de enfermedades, entre otras) y las herramientas actuales consumen muchos recursos computacionales para poder representarlas y manipularlas. </a:t>
-            </a:r>
+              </a:rPr>
+              <a:t>una revisión de la documentación de las herramientas existentes para la manipulación de grafos y para la construcción de compiladores</a:t>
+            </a:r>
+            <a:r>
+              <a:rPr lang="es-VE" sz="3600" dirty="0" smtClean="0">
+                <a:solidFill>
+                  <a:schemeClr val="bg1"/>
+                </a:solidFill>
+              </a:rPr>
+              <a:t>.</a:t>
+            </a:r>
+          </a:p>
+          <a:p>
+            <a:pPr marL="571500" lvl="0" indent="-571500" algn="just">
+              <a:buFont typeface="Arial" pitchFamily="34" charset="0"/>
+              <a:buChar char="•"/>
+            </a:pPr>
+            <a:endParaRPr lang="es-VE" sz="3600" dirty="0" smtClean="0">
+              <a:solidFill>
+                <a:schemeClr val="bg1"/>
+              </a:solidFill>
+            </a:endParaRPr>
+          </a:p>
+          <a:p>
+            <a:pPr marL="571500" indent="-571500" algn="just">
+              <a:buFont typeface="Arial" pitchFamily="34" charset="0"/>
+              <a:buChar char="•"/>
+            </a:pPr>
+            <a:r>
+              <a:rPr lang="es-VE" sz="3600" dirty="0">
+                <a:solidFill>
+                  <a:schemeClr val="bg1"/>
+                </a:solidFill>
+              </a:rPr>
+              <a:t>Especificar las características del lenguaje.</a:t>
+            </a:r>
+            <a:endParaRPr lang="en-US" sz="3600" dirty="0">
+              <a:solidFill>
+                <a:schemeClr val="bg1"/>
+              </a:solidFill>
+            </a:endParaRPr>
           </a:p>
           <a:p>
             <a:pPr marL="571500" indent="-571500" algn="just">
@@ -3601,7 +3666,6 @@
               <a:solidFill>
                 <a:schemeClr val="bg1"/>
               </a:solidFill>
-              <a:cs typeface="Arial" pitchFamily="34" charset="0"/>
             </a:endParaRPr>
           </a:p>
           <a:p>
@@ -3610,33 +3674,84 @@
               <a:buChar char="•"/>
             </a:pPr>
             <a:r>
+              <a:rPr lang="es-VE" sz="3600" dirty="0" smtClean="0">
+                <a:solidFill>
+                  <a:schemeClr val="bg1"/>
+                </a:solidFill>
+              </a:rPr>
+              <a:t>Seleccionar </a:t>
+            </a:r>
+            <a:r>
               <a:rPr lang="es-VE" sz="3600" dirty="0">
                 <a:solidFill>
                   <a:schemeClr val="bg1"/>
                 </a:solidFill>
               </a:rPr>
-              <a:t>Con una representación optimizada de grafos en memoria se podrían almacenar grafos muy grandes en muy poco espacio; los grafos representados de esta forma se denominan grafos compactos</a:t>
-            </a:r>
-            <a:r>
-              <a:rPr lang="es-VE" sz="3600" dirty="0" smtClean="0">
-                <a:solidFill>
-                  <a:schemeClr val="bg1"/>
-                </a:solidFill>
-              </a:rPr>
-              <a:t>. Este trabajo está basado en el diseño de esa representación, así como de un lenguaje de programación que dé soporte en su sistema de tipos y en su librería estándar  a grafos compactos.</a:t>
-            </a:r>
-            <a:endParaRPr lang="es-VE" sz="3600" dirty="0">
+              <a:t>los algoritmos y estructuras de datos que compondrán la librería estándar del lenguaje a desarrollar.</a:t>
+            </a:r>
+            <a:endParaRPr lang="en-US" sz="3600" dirty="0">
               <a:solidFill>
                 <a:schemeClr val="bg1"/>
               </a:solidFill>
-              <a:cs typeface="Arial" pitchFamily="34" charset="0"/>
             </a:endParaRPr>
           </a:p>
           <a:p>
+            <a:pPr marL="571500" indent="-571500" algn="just">
+              <a:buFont typeface="Arial" pitchFamily="34" charset="0"/>
+              <a:buChar char="•"/>
+            </a:pPr>
+            <a:endParaRPr lang="es-VE" sz="3600" dirty="0" smtClean="0">
+              <a:solidFill>
+                <a:schemeClr val="bg1"/>
+              </a:solidFill>
+            </a:endParaRPr>
+          </a:p>
+          <a:p>
+            <a:pPr marL="571500" indent="-571500" algn="just">
+              <a:buFont typeface="Arial" pitchFamily="34" charset="0"/>
+              <a:buChar char="•"/>
+            </a:pPr>
+            <a:r>
+              <a:rPr lang="es-VE" sz="3600" dirty="0" smtClean="0">
+                <a:solidFill>
+                  <a:schemeClr val="bg1"/>
+                </a:solidFill>
+              </a:rPr>
+              <a:t>Desarrollar </a:t>
+            </a:r>
+            <a:r>
+              <a:rPr lang="es-VE" sz="3600" dirty="0">
+                <a:solidFill>
+                  <a:schemeClr val="bg1"/>
+                </a:solidFill>
+              </a:rPr>
+              <a:t>un compilador para el lenguaje</a:t>
+            </a:r>
+            <a:r>
+              <a:rPr lang="es-VE" sz="3600" dirty="0" smtClean="0">
+                <a:solidFill>
+                  <a:schemeClr val="bg1"/>
+                </a:solidFill>
+              </a:rPr>
+              <a:t>.</a:t>
+            </a:r>
+          </a:p>
+          <a:p>
+            <a:pPr marL="571500" indent="-571500" algn="just">
+              <a:buFont typeface="Arial" pitchFamily="34" charset="0"/>
+              <a:buChar char="•"/>
+            </a:pPr>
+            <a:endParaRPr lang="en-US" sz="3600" dirty="0">
+              <a:solidFill>
+                <a:schemeClr val="bg1"/>
+              </a:solidFill>
+            </a:endParaRPr>
+          </a:p>
+          <a:p>
             <a:pPr algn="ctr"/>
             <a:r>
               <a:rPr lang="es-VE" sz="8000" dirty="0" smtClean="0"/>
-              <a:t>Metodología.</a:t>
+              <a:t>Metodología</a:t>
             </a:r>
           </a:p>
           <a:p>
@@ -3667,7 +3782,7 @@
         </p:nvGrpSpPr>
         <p:grpSpPr>
           <a:xfrm>
-            <a:off x="504281" y="34776674"/>
+            <a:off x="504281" y="35496754"/>
             <a:ext cx="14863778" cy="7204290"/>
             <a:chOff x="504281" y="35140204"/>
             <a:chExt cx="14863778" cy="7204290"/>
@@ -4325,7 +4440,42 @@
                   <a:schemeClr val="bg1"/>
                 </a:solidFill>
               </a:rPr>
-              <a:t>El diseño del lenguaje estuvo orientado a hacer de este lo más pequeño y simple posible, debido a esto, mucha funcionalidad debe ser implementada en forma de funciones de una librería estándar.</a:t>
+              <a:t>El diseño del lenguaje estuvo orientado a hacer de este lo más pequeño y simple posible, debido a esto, mucha funcionalidad debe ser implementada en forma de funciones de una librería estándar</a:t>
+            </a:r>
+            <a:r>
+              <a:rPr lang="es-VE" sz="3600" dirty="0" smtClean="0">
+                <a:solidFill>
+                  <a:schemeClr val="bg1"/>
+                </a:solidFill>
+              </a:rPr>
+              <a:t>.</a:t>
+            </a:r>
+          </a:p>
+          <a:p>
+            <a:pPr algn="just"/>
+            <a:endParaRPr lang="es-VE" sz="3600" dirty="0">
+              <a:solidFill>
+                <a:schemeClr val="bg1"/>
+              </a:solidFill>
+            </a:endParaRPr>
+          </a:p>
+          <a:p>
+            <a:pPr algn="just"/>
+            <a:r>
+              <a:rPr lang="es-VE" sz="3600" dirty="0" smtClean="0">
+                <a:solidFill>
+                  <a:schemeClr val="bg1"/>
+                </a:solidFill>
+              </a:rPr>
+              <a:t>Como parte de trabajos futuros, se podría añadir al leguaje soporte para grafos pesados, así como </a:t>
+            </a:r>
+            <a:r>
+              <a:rPr lang="es-VE" sz="3600" smtClean="0">
+                <a:solidFill>
+                  <a:schemeClr val="bg1"/>
+                </a:solidFill>
+              </a:rPr>
+              <a:t>operaciones sobre estos.</a:t>
             </a:r>
             <a:endParaRPr lang="en-US" sz="3600" dirty="0">
               <a:solidFill>
@@ -4347,74 +4497,6 @@
             </a:r>
             <a:endParaRPr lang="en-US" dirty="0" smtClean="0">
               <a:latin typeface="+mj-lt"/>
-            </a:endParaRPr>
-          </a:p>
-          <a:p>
-            <a:pPr algn="ctr"/>
-            <a:endParaRPr lang="en-US" sz="3600" dirty="0" smtClean="0"/>
-          </a:p>
-          <a:p>
-            <a:pPr algn="just"/>
-            <a:r>
-              <a:rPr lang="es-VE" sz="3600" dirty="0" err="1">
-                <a:solidFill>
-                  <a:schemeClr val="bg1"/>
-                </a:solidFill>
-              </a:rPr>
-              <a:t>Barabási</a:t>
-            </a:r>
-            <a:r>
-              <a:rPr lang="es-VE" sz="3600" dirty="0">
-                <a:solidFill>
-                  <a:schemeClr val="bg1"/>
-                </a:solidFill>
-              </a:rPr>
-              <a:t>, A. (2002): </a:t>
-            </a:r>
-            <a:r>
-              <a:rPr lang="en-US" sz="3600" b="1" dirty="0">
-                <a:solidFill>
-                  <a:schemeClr val="bg1"/>
-                </a:solidFill>
-              </a:rPr>
-              <a:t>Linked: The New Science of Networks</a:t>
-            </a:r>
-            <a:r>
-              <a:rPr lang="es-VE" sz="3600" b="1" dirty="0">
-                <a:solidFill>
-                  <a:schemeClr val="bg1"/>
-                </a:solidFill>
-              </a:rPr>
-              <a:t>. </a:t>
-            </a:r>
-            <a:r>
-              <a:rPr lang="es-VE" sz="3600" dirty="0">
-                <a:solidFill>
-                  <a:schemeClr val="bg1"/>
-                </a:solidFill>
-              </a:rPr>
-              <a:t>Primera edición. Cambridge, Estados Unidos. </a:t>
-            </a:r>
-            <a:r>
-              <a:rPr lang="es-VE" sz="3600" dirty="0" err="1">
-                <a:solidFill>
-                  <a:schemeClr val="bg1"/>
-                </a:solidFill>
-              </a:rPr>
-              <a:t>Perseus</a:t>
-            </a:r>
-            <a:r>
-              <a:rPr lang="es-VE" sz="3600" dirty="0">
-                <a:solidFill>
-                  <a:schemeClr val="bg1"/>
-                </a:solidFill>
-              </a:rPr>
-              <a:t> Publishing. 280pp.</a:t>
-            </a:r>
-            <a:endParaRPr lang="en-US" sz="3600" dirty="0">
-              <a:solidFill>
-                <a:schemeClr val="bg1"/>
-              </a:solidFill>
             </a:endParaRPr>
           </a:p>
           <a:p>
